--- a/Klasifikator znameki.pptx
+++ b/Klasifikator znameki.pptx
@@ -5155,9 +5155,10 @@
           <a:lstStyle/>
           <a:p>
             <a:r>
-              <a:rPr lang="hr-HR" dirty="0"/>
+              <a:rPr lang="hr-HR"/>
               <a:t>Zadatak</a:t>
             </a:r>
+            <a:endParaRPr lang="hr-HR" dirty="0"/>
           </a:p>
         </p:txBody>
       </p:sp>

--- a/Klasifikator znameki.pptx
+++ b/Klasifikator znameki.pptx
@@ -7800,10 +7800,9 @@
           <a:lstStyle/>
           <a:p>
             <a:r>
-              <a:rPr lang="hr-HR" sz="4400"/>
+              <a:rPr lang="hr-HR" sz="4400" dirty="0"/>
               <a:t>Evaluacija</a:t>
             </a:r>
-            <a:endParaRPr lang="hr-HR" sz="4400" dirty="0"/>
           </a:p>
         </p:txBody>
       </p:sp>

--- a/Klasifikator znameki.pptx
+++ b/Klasifikator znameki.pptx
@@ -8,7 +8,7 @@
     <p:sldId id="256" r:id="rId2"/>
     <p:sldId id="273" r:id="rId3"/>
     <p:sldId id="257" r:id="rId4"/>
-    <p:sldId id="258" r:id="rId5"/>
+    <p:sldId id="274" r:id="rId5"/>
     <p:sldId id="264" r:id="rId6"/>
     <p:sldId id="266" r:id="rId7"/>
     <p:sldId id="271" r:id="rId8"/>
@@ -131,232 +131,6 @@
 </p188:authorLst>
 </file>
 
-<file path=ppt/comments/modernComment_101_57694E63.xml><?xml version="1.0" encoding="utf-8"?>
-<p188:cmLst xmlns:a="http://schemas.openxmlformats.org/drawingml/2006/main" xmlns:r="http://schemas.openxmlformats.org/officeDocument/2006/relationships" xmlns:p188="http://schemas.microsoft.com/office/powerpoint/2018/8/main">
-  <p188:cm id="{5A83C8CA-691F-424D-8963-444D59355DF5}" authorId="{BC80338E-7DA0-F45A-8E70-174F7E7A716D}" created="2025-09-05T04:40:58.536">
-    <ac:deMkLst xmlns:ac="http://schemas.microsoft.com/office/drawing/2013/main/command">
-      <pc:docMk xmlns:pc="http://schemas.microsoft.com/office/powerpoint/2013/main/command"/>
-      <pc:sldMk xmlns:pc="http://schemas.microsoft.com/office/powerpoint/2013/main/command" cId="1466519139" sldId="257"/>
-      <ac:spMk id="3" creationId="{780C65F1-E9BB-92D5-0A4C-DEFCEC510AEF}"/>
-    </ac:deMkLst>
-    <p188:replyLst>
-      <p188:reply id="{B835FF7D-FC29-45A9-A6BB-B7010C8277CC}" authorId="{BC80338E-7DA0-F45A-8E70-174F7E7A716D}" created="2025-09-05T04:54:44.444">
-        <p188:txBody>
-          <a:bodyPr/>
-          <a:lstStyle/>
-          <a:p>
-            <a:r>
-              <a:rPr lang="hr-HR"/>
-              <a:t>Znamenke iz test skupa nije pisao nitko iz trening</a:t>
-            </a:r>
-          </a:p>
-        </p188:txBody>
-      </p188:reply>
-      <p188:reply id="{4FC2FFE0-1940-4E0B-B569-9861FA8DB428}" authorId="{BC80338E-7DA0-F45A-8E70-174F7E7A716D}" created="2025-09-05T04:55:12.948">
-        <p188:txBody>
-          <a:bodyPr/>
-          <a:lstStyle/>
-          <a:p>
-            <a:r>
-              <a:rPr lang="hr-HR"/>
-              <a:t>Podjedanko je distribuiran set od 2 baze</a:t>
-            </a:r>
-          </a:p>
-        </p188:txBody>
-      </p188:reply>
-      <p188:reply id="{47584107-226A-42F5-9DD8-A63A1FD657B8}" authorId="{BC80338E-7DA0-F45A-8E70-174F7E7A716D}" created="2025-09-05T09:10:26.959">
-        <p188:txBody>
-          <a:bodyPr/>
-          <a:lstStyle/>
-          <a:p>
-            <a:r>
-              <a:rPr lang="hr-HR"/>
-              <a:t>Skaliranje svake NIST znamenke da stane u okvir 20×20 uz očuvanje omjera; pritom anti-aliasing uvodi sive tonove (original je bio bilevel: crno/bijelo).
-Centriranje rezultata u 28×28 tako da se centar mase piksela poravna s centrom platna (translacijom).</a:t>
-            </a:r>
-          </a:p>
-        </p188:txBody>
-      </p188:reply>
-    </p188:replyLst>
-    <p188:txBody>
-      <a:bodyPr/>
-      <a:lstStyle/>
-      <a:p>
-        <a:r>
-          <a:rPr lang="hr-HR"/>
-          <a:t>60000 trening i 10000 test slika -reć uživo</a:t>
-        </a:r>
-      </a:p>
-    </p188:txBody>
-  </p188:cm>
-</p188:cmLst>
-</file>
-
-<file path=ppt/comments/modernComment_104_C9C5CD5B.xml><?xml version="1.0" encoding="utf-8"?>
-<p188:cmLst xmlns:a="http://schemas.openxmlformats.org/drawingml/2006/main" xmlns:r="http://schemas.openxmlformats.org/officeDocument/2006/relationships" xmlns:p188="http://schemas.microsoft.com/office/powerpoint/2018/8/main">
-  <p188:cm id="{F997413D-8962-479B-80F8-0F010D661AFE}" authorId="{BC80338E-7DA0-F45A-8E70-174F7E7A716D}" created="2025-09-05T09:45:49.569">
-    <ac:deMkLst xmlns:ac="http://schemas.microsoft.com/office/drawing/2013/main/command">
-      <pc:docMk xmlns:pc="http://schemas.microsoft.com/office/powerpoint/2013/main/command"/>
-      <pc:sldMk xmlns:pc="http://schemas.microsoft.com/office/powerpoint/2013/main/command" cId="3385183579" sldId="260"/>
-      <ac:spMk id="3" creationId="{199E5FD6-D9FD-DAB7-37A6-494DDD1C715A}"/>
-    </ac:deMkLst>
-    <p188:txBody>
-      <a:bodyPr/>
-      <a:lstStyle/>
-      <a:p>
-        <a:r>
-          <a:rPr lang="hr-HR"/>
-          <a:t>Objasnit uživo da slika pripada klasi s čijim potprostorom ima najmanji kut </a:t>
-        </a:r>
-      </a:p>
-    </p188:txBody>
-  </p188:cm>
-</p188:cmLst>
-</file>
-
-<file path=ppt/comments/modernComment_105_E1BE8ED0.xml><?xml version="1.0" encoding="utf-8"?>
-<p188:cmLst xmlns:a="http://schemas.openxmlformats.org/drawingml/2006/main" xmlns:r="http://schemas.openxmlformats.org/officeDocument/2006/relationships" xmlns:p188="http://schemas.microsoft.com/office/powerpoint/2018/8/main">
-  <p188:cm id="{66CAF569-7BA2-43D7-9575-53DEA6D76260}" authorId="{BC80338E-7DA0-F45A-8E70-174F7E7A716D}" created="2025-09-06T10:01:21.319">
-    <pc:sldMkLst xmlns:pc="http://schemas.microsoft.com/office/powerpoint/2013/main/command">
-      <pc:docMk/>
-      <pc:sldMk cId="3787362000" sldId="261"/>
-    </pc:sldMkLst>
-    <p188:replyLst>
-      <p188:reply id="{D22970F9-58DF-4D3D-AEEA-F254201B00DA}" authorId="{BC80338E-7DA0-F45A-8E70-174F7E7A716D}" created="2025-09-06T10:15:00.178">
-        <p188:txBody>
-          <a:bodyPr/>
-          <a:lstStyle/>
-          <a:p>
-            <a:r>
-              <a:rPr lang="hr-HR"/>
-              <a:t>s_1 je taj najveća i ujedno ima indeks 0</a:t>
-            </a:r>
-          </a:p>
-        </p188:txBody>
-      </p188:reply>
-    </p188:replyLst>
-    <p188:txBody>
-      <a:bodyPr/>
-      <a:lstStyle/>
-      <a:p>
-        <a:r>
-          <a:rPr lang="hr-HR"/>
-          <a:t>0.03 = 3%: čuvaš samo one komponente čija je „snaga” barem 3% od najjače.</a:t>
-        </a:r>
-      </a:p>
-    </p188:txBody>
-  </p188:cm>
-</p188:cmLst>
-</file>
-
-<file path=ppt/comments/modernComment_106_B572F350.xml><?xml version="1.0" encoding="utf-8"?>
-<p188:cmLst xmlns:a="http://schemas.openxmlformats.org/drawingml/2006/main" xmlns:r="http://schemas.openxmlformats.org/officeDocument/2006/relationships" xmlns:p188="http://schemas.microsoft.com/office/powerpoint/2018/8/main">
-  <p188:cm id="{3546EDF2-6EB9-4C09-98E6-489D8113B7E0}" authorId="{BC80338E-7DA0-F45A-8E70-174F7E7A716D}" created="2025-09-05T09:37:52.629">
-    <ac:deMkLst xmlns:ac="http://schemas.microsoft.com/office/drawing/2013/main/command">
-      <pc:docMk xmlns:pc="http://schemas.microsoft.com/office/powerpoint/2013/main/command"/>
-      <pc:sldMk xmlns:pc="http://schemas.microsoft.com/office/powerpoint/2013/main/command" cId="3044209488" sldId="262"/>
-      <ac:spMk id="3" creationId="{F07D30DE-49FD-6DC8-A9B0-4F6619A8D1BF}"/>
-    </ac:deMkLst>
-    <p188:txBody>
-      <a:bodyPr/>
-      <a:lstStyle/>
-      <a:p>
-        <a:r>
-          <a:rPr lang="hr-HR"/>
-          <a:t>Objasnit uživo da se primjenjuje isti princip kao i kad se stvarao mnist dataset tako da testne znamenke ne piše ista osoba i ta slika se skalira na 20x20, normalizira, cenntrira pa opet na 28x28 postavi i predikta</a:t>
-        </a:r>
-      </a:p>
-    </p188:txBody>
-  </p188:cm>
-</p188:cmLst>
-</file>
-
-<file path=ppt/comments/modernComment_108_453FB638.xml><?xml version="1.0" encoding="utf-8"?>
-<p188:cmLst xmlns:a="http://schemas.openxmlformats.org/drawingml/2006/main" xmlns:r="http://schemas.openxmlformats.org/officeDocument/2006/relationships" xmlns:p188="http://schemas.microsoft.com/office/powerpoint/2018/8/main">
-  <p188:cm id="{DA752E3F-79F1-4F6D-9D63-48ACAEDCE2E6}" authorId="{BC80338E-7DA0-F45A-8E70-174F7E7A716D}" created="2025-09-06T11:27:10.642">
-    <pc:sldMkLst xmlns:pc="http://schemas.microsoft.com/office/powerpoint/2013/main/command">
-      <pc:docMk/>
-      <pc:sldMk cId="1161803320" sldId="264"/>
-    </pc:sldMkLst>
-    <p188:txBody>
-      <a:bodyPr/>
-      <a:lstStyle/>
-      <a:p>
-        <a:r>
-          <a:rPr lang="hr-HR"/>
-          <a:t>Objasnit  još uživo</a:t>
-        </a:r>
-      </a:p>
-    </p188:txBody>
-  </p188:cm>
-</p188:cmLst>
-</file>
-
-<file path=ppt/comments/modernComment_10A_5523A635.xml><?xml version="1.0" encoding="utf-8"?>
-<p188:cmLst xmlns:a="http://schemas.openxmlformats.org/drawingml/2006/main" xmlns:r="http://schemas.openxmlformats.org/officeDocument/2006/relationships" xmlns:p188="http://schemas.microsoft.com/office/powerpoint/2018/8/main">
-  <p188:cm id="{A498B1EA-4776-4E82-A039-A8A09E80C784}" authorId="{BC80338E-7DA0-F45A-8E70-174F7E7A716D}" created="2025-09-05T10:05:13.558">
-    <ac:deMkLst xmlns:ac="http://schemas.microsoft.com/office/drawing/2013/main/command">
-      <pc:docMk xmlns:pc="http://schemas.microsoft.com/office/powerpoint/2013/main/command"/>
-      <pc:sldMk xmlns:pc="http://schemas.microsoft.com/office/powerpoint/2013/main/command" cId="1428399669" sldId="266"/>
-      <ac:picMk id="5" creationId="{DF6A9576-1848-8C4B-D3E9-CCCE85CBDDDB}"/>
-    </ac:deMkLst>
-    <p188:txBody>
-      <a:bodyPr/>
-      <a:lstStyle/>
-      <a:p>
-        <a:r>
-          <a:rPr lang="hr-HR"/>
-          <a:t>Neke znamenke imaju više signifikantnih singularnih vrijednosti neke manje, kroz treniranje smo skužili da je najbolje uzeti bazni potrpostor s više ali ne previše slika i onda uzet prag za vrijednosti koje će tvoriti bazu potprostora</a:t>
-        </a:r>
-      </a:p>
-    </p188:txBody>
-  </p188:cm>
-</p188:cmLst>
-</file>
-
-<file path=ppt/comments/modernComment_10B_BB87BCF8.xml><?xml version="1.0" encoding="utf-8"?>
-<p188:cmLst xmlns:a="http://schemas.openxmlformats.org/drawingml/2006/main" xmlns:r="http://schemas.openxmlformats.org/officeDocument/2006/relationships" xmlns:p188="http://schemas.microsoft.com/office/powerpoint/2018/8/main">
-  <p188:cm id="{3273D4D4-FA5A-4532-A931-DFAC10F80828}" authorId="{BC80338E-7DA0-F45A-8E70-174F7E7A716D}" created="2025-09-06T09:47:27.128">
-    <ac:deMkLst xmlns:ac="http://schemas.microsoft.com/office/drawing/2013/main/command">
-      <pc:docMk xmlns:pc="http://schemas.microsoft.com/office/powerpoint/2013/main/command"/>
-      <pc:sldMk xmlns:pc="http://schemas.microsoft.com/office/powerpoint/2013/main/command" cId="3146235128" sldId="267"/>
-      <ac:spMk id="2" creationId="{6715B9E9-6B01-BD3E-EE32-D2F9EB43EEA1}"/>
-    </ac:deMkLst>
-    <p188:txBody>
-      <a:bodyPr/>
-      <a:lstStyle/>
-      <a:p>
-        <a:r>
-          <a:rPr lang="hr-HR"/>
-          <a:t>Lijeva slika je na 1000 testnih primjera a  desna isto ali po 100 primjera za svaku klasu</a:t>
-        </a:r>
-      </a:p>
-    </p188:txBody>
-  </p188:cm>
-</p188:cmLst>
-</file>
-
-<file path=ppt/comments/modernComment_111_37E3080F.xml><?xml version="1.0" encoding="utf-8"?>
-<p188:cmLst xmlns:a="http://schemas.openxmlformats.org/drawingml/2006/main" xmlns:r="http://schemas.openxmlformats.org/officeDocument/2006/relationships" xmlns:p188="http://schemas.microsoft.com/office/powerpoint/2018/8/main">
-  <p188:cm id="{7D55BA9D-837B-4AD7-9953-F834BF2C19A5}" authorId="{BC80338E-7DA0-F45A-8E70-174F7E7A716D}" created="2025-09-06T13:13:40.575">
-    <pc:sldMkLst xmlns:pc="http://schemas.microsoft.com/office/powerpoint/2013/main/command">
-      <pc:docMk/>
-      <pc:sldMk cId="937625615" sldId="273"/>
-    </pc:sldMkLst>
-    <p188:txBody>
-      <a:bodyPr/>
-      <a:lstStyle/>
-      <a:p>
-        <a:r>
-          <a:rPr lang="hr-HR"/>
-          <a:t>Misliš da treba?</a:t>
-        </a:r>
-      </a:p>
-    </p188:txBody>
-  </p188:cm>
-</p188:cmLst>
-</file>
-
 <file path=ppt/slideLayouts/slideLayout1.xml><?xml version="1.0" encoding="utf-8"?>
 <p:sldLayout xmlns:a="http://schemas.openxmlformats.org/drawingml/2006/main" xmlns:r="http://schemas.openxmlformats.org/officeDocument/2006/relationships" xmlns:p="http://schemas.openxmlformats.org/presentationml/2006/main" showMasterSp="0" type="title" preserve="1">
   <p:cSld name="Naslovni slajd">
@@ -526,7 +300,7 @@
           <a:p>
             <a:fld id="{3D60341B-96CE-479C-8E05-0D4B76A2A9EA}" type="datetimeFigureOut">
               <a:rPr lang="hr-HR" smtClean="0"/>
-              <a:t>6.9.2025.</a:t>
+              <a:t>9.9.2025.</a:t>
             </a:fld>
             <a:endParaRPr lang="hr-HR"/>
           </a:p>
@@ -856,7 +630,7 @@
           <a:p>
             <a:fld id="{3D60341B-96CE-479C-8E05-0D4B76A2A9EA}" type="datetimeFigureOut">
               <a:rPr lang="hr-HR" smtClean="0"/>
-              <a:t>6.9.2025.</a:t>
+              <a:t>9.9.2025.</a:t>
             </a:fld>
             <a:endParaRPr lang="hr-HR"/>
           </a:p>
@@ -1036,7 +810,7 @@
           <a:p>
             <a:fld id="{3D60341B-96CE-479C-8E05-0D4B76A2A9EA}" type="datetimeFigureOut">
               <a:rPr lang="hr-HR" smtClean="0"/>
-              <a:t>6.9.2025.</a:t>
+              <a:t>9.9.2025.</a:t>
             </a:fld>
             <a:endParaRPr lang="hr-HR"/>
           </a:p>
@@ -1206,7 +980,7 @@
           <a:p>
             <a:fld id="{3D60341B-96CE-479C-8E05-0D4B76A2A9EA}" type="datetimeFigureOut">
               <a:rPr lang="hr-HR" smtClean="0"/>
-              <a:t>6.9.2025.</a:t>
+              <a:t>9.9.2025.</a:t>
             </a:fld>
             <a:endParaRPr lang="hr-HR"/>
           </a:p>
@@ -1483,7 +1257,7 @@
           <a:p>
             <a:fld id="{3D60341B-96CE-479C-8E05-0D4B76A2A9EA}" type="datetimeFigureOut">
               <a:rPr lang="hr-HR" smtClean="0"/>
-              <a:t>6.9.2025.</a:t>
+              <a:t>9.9.2025.</a:t>
             </a:fld>
             <a:endParaRPr lang="hr-HR"/>
           </a:p>
@@ -1877,7 +1651,7 @@
           <a:p>
             <a:fld id="{3D60341B-96CE-479C-8E05-0D4B76A2A9EA}" type="datetimeFigureOut">
               <a:rPr lang="hr-HR" smtClean="0"/>
-              <a:t>6.9.2025.</a:t>
+              <a:t>9.9.2025.</a:t>
             </a:fld>
             <a:endParaRPr lang="hr-HR"/>
           </a:p>
@@ -2354,7 +2128,7 @@
           <a:p>
             <a:fld id="{3D60341B-96CE-479C-8E05-0D4B76A2A9EA}" type="datetimeFigureOut">
               <a:rPr lang="hr-HR" smtClean="0"/>
-              <a:t>6.9.2025.</a:t>
+              <a:t>9.9.2025.</a:t>
             </a:fld>
             <a:endParaRPr lang="hr-HR"/>
           </a:p>
@@ -2472,7 +2246,7 @@
           <a:p>
             <a:fld id="{3D60341B-96CE-479C-8E05-0D4B76A2A9EA}" type="datetimeFigureOut">
               <a:rPr lang="hr-HR" smtClean="0"/>
-              <a:t>6.9.2025.</a:t>
+              <a:t>9.9.2025.</a:t>
             </a:fld>
             <a:endParaRPr lang="hr-HR"/>
           </a:p>
@@ -2567,7 +2341,7 @@
           <a:p>
             <a:fld id="{3D60341B-96CE-479C-8E05-0D4B76A2A9EA}" type="datetimeFigureOut">
               <a:rPr lang="hr-HR" smtClean="0"/>
-              <a:t>6.9.2025.</a:t>
+              <a:t>9.9.2025.</a:t>
             </a:fld>
             <a:endParaRPr lang="hr-HR"/>
           </a:p>
@@ -2913,7 +2687,7 @@
           <a:p>
             <a:fld id="{3D60341B-96CE-479C-8E05-0D4B76A2A9EA}" type="datetimeFigureOut">
               <a:rPr lang="hr-HR" smtClean="0"/>
-              <a:t>6.9.2025.</a:t>
+              <a:t>9.9.2025.</a:t>
             </a:fld>
             <a:endParaRPr lang="hr-HR"/>
           </a:p>
@@ -3301,7 +3075,7 @@
           <a:p>
             <a:fld id="{3D60341B-96CE-479C-8E05-0D4B76A2A9EA}" type="datetimeFigureOut">
               <a:rPr lang="hr-HR" smtClean="0"/>
-              <a:t>6.9.2025.</a:t>
+              <a:t>9.9.2025.</a:t>
             </a:fld>
             <a:endParaRPr lang="hr-HR"/>
           </a:p>
@@ -3579,7 +3353,7 @@
           <a:p>
             <a:fld id="{3D60341B-96CE-479C-8E05-0D4B76A2A9EA}" type="datetimeFigureOut">
               <a:rPr lang="hr-HR" smtClean="0"/>
-              <a:t>6.9.2025.</a:t>
+              <a:t>9.9.2025.</a:t>
             </a:fld>
             <a:endParaRPr lang="hr-HR"/>
           </a:p>
@@ -4232,7 +4006,7 @@
           <p:nvPr/>
         </p:nvPicPr>
         <p:blipFill>
-          <a:blip r:embed="rId3"/>
+          <a:blip r:embed="rId2"/>
           <a:stretch>
             <a:fillRect/>
           </a:stretch>
@@ -4262,7 +4036,7 @@
           <p:nvPr/>
         </p:nvPicPr>
         <p:blipFill>
-          <a:blip r:embed="rId4"/>
+          <a:blip r:embed="rId3"/>
           <a:stretch>
             <a:fillRect/>
           </a:stretch>
@@ -4287,11 +4061,6 @@
   <p:clrMapOvr>
     <a:masterClrMapping/>
   </p:clrMapOvr>
-  <p:extLst>
-    <p:ext uri="{6950BFC3-D8DA-4A85-94F7-54DA5524770B}">
-      <p188:commentRel xmlns:p188="http://schemas.microsoft.com/office/powerpoint/2018/8/main" r:id="rId2"/>
-    </p:ext>
-  </p:extLst>
 </p:sld>
 </file>
 
@@ -4549,7 +4318,7 @@
           <p:nvPr/>
         </p:nvPicPr>
         <p:blipFill>
-          <a:blip r:embed="rId3"/>
+          <a:blip r:embed="rId2"/>
           <a:stretch>
             <a:fillRect/>
           </a:stretch>
@@ -4574,11 +4343,6 @@
   <p:clrMapOvr>
     <a:masterClrMapping/>
   </p:clrMapOvr>
-  <p:extLst>
-    <p:ext uri="{6950BFC3-D8DA-4A85-94F7-54DA5524770B}">
-      <p188:commentRel xmlns:p188="http://schemas.microsoft.com/office/powerpoint/2018/8/main" r:id="rId2"/>
-    </p:ext>
-  </p:extLst>
 </p:sld>
 </file>
 
@@ -5265,7 +5029,7 @@
             </a:r>
             <a:r>
               <a:rPr lang="hr-HR" dirty="0">
-                <a:hlinkClick r:id="rId3"/>
+                <a:hlinkClick r:id="rId2"/>
               </a:rPr>
               <a:t>https://git-disl.github.io/GTDLBench/datasets/mnist_datasets/</a:t>
             </a:r>
@@ -5286,11 +5050,6 @@
   <p:clrMapOvr>
     <a:masterClrMapping/>
   </p:clrMapOvr>
-  <p:extLst>
-    <p:ext uri="{6950BFC3-D8DA-4A85-94F7-54DA5524770B}">
-      <p188:commentRel xmlns:p188="http://schemas.microsoft.com/office/powerpoint/2018/8/main" r:id="rId2"/>
-    </p:ext>
-  </p:extLst>
 </p:sld>
 </file>
 
@@ -5643,7 +5402,7 @@
           <p:nvPr/>
         </p:nvPicPr>
         <p:blipFill rotWithShape="1">
-          <a:blip r:embed="rId3">
+          <a:blip r:embed="rId2">
             <a:extLst>
               <a:ext uri="{28A0092B-C50C-407E-A947-70E740481C1C}">
                 <a14:useLocalDpi xmlns:a14="http://schemas.microsoft.com/office/drawing/2010/main" val="0"/>
@@ -5690,7 +5449,7 @@
           <p:nvPr/>
         </p:nvPicPr>
         <p:blipFill rotWithShape="1">
-          <a:blip r:embed="rId3">
+          <a:blip r:embed="rId2">
             <a:extLst>
               <a:ext uri="{28A0092B-C50C-407E-A947-70E740481C1C}">
                 <a14:useLocalDpi xmlns:a14="http://schemas.microsoft.com/office/drawing/2010/main" val="0"/>
@@ -5732,11 +5491,6 @@
   <p:clrMapOvr>
     <a:masterClrMapping/>
   </p:clrMapOvr>
-  <p:extLst>
-    <p:ext uri="{6950BFC3-D8DA-4A85-94F7-54DA5524770B}">
-      <p188:commentRel xmlns:p188="http://schemas.microsoft.com/office/powerpoint/2018/8/main" r:id="rId2"/>
-    </p:ext>
-  </p:extLst>
 </p:sld>
 </file>
 
@@ -5757,97 +5511,12 @@
           <a:chExt cx="0" cy="0"/>
         </a:xfrm>
       </p:grpSpPr>
-      <p:sp>
-        <p:nvSpPr>
-          <p:cNvPr id="2" name="Naslov 1">
+      <p:pic>
+        <p:nvPicPr>
+          <p:cNvPr id="6" name="Slika 5" descr="Slika na kojoj se prikazuje skeč, dijagram, dizajn, tekst&#10;&#10;Sadržaj generiran uz AI možda nije točan.">
             <a:extLst>
               <a:ext uri="{FF2B5EF4-FFF2-40B4-BE49-F238E27FC236}">
-                <a16:creationId xmlns:a16="http://schemas.microsoft.com/office/drawing/2014/main" id="{5414E50F-84CF-9568-5697-036B43E423E1}"/>
-              </a:ext>
-            </a:extLst>
-          </p:cNvPr>
-          <p:cNvSpPr>
-            <a:spLocks noGrp="1"/>
-          </p:cNvSpPr>
-          <p:nvPr>
-            <p:ph type="title"/>
-          </p:nvPr>
-        </p:nvSpPr>
-        <p:spPr/>
-        <p:txBody>
-          <a:bodyPr/>
-          <a:lstStyle/>
-          <a:p>
-            <a:r>
-              <a:rPr lang="hr-HR" dirty="0"/>
-              <a:t>Bazni </a:t>
-            </a:r>
-            <a:r>
-              <a:rPr lang="hr-HR" dirty="0" err="1"/>
-              <a:t>potprostori</a:t>
-            </a:r>
-            <a:endParaRPr lang="hr-HR" dirty="0"/>
-          </a:p>
-        </p:txBody>
-      </p:sp>
-      <p:sp>
-        <p:nvSpPr>
-          <p:cNvPr id="3" name="Rezervirano mjesto sadržaja 2">
-            <a:extLst>
-              <a:ext uri="{FF2B5EF4-FFF2-40B4-BE49-F238E27FC236}">
-                <a16:creationId xmlns:a16="http://schemas.microsoft.com/office/drawing/2014/main" id="{2128CAEA-82B8-1431-740F-182BEBFCB2E6}"/>
-              </a:ext>
-            </a:extLst>
-          </p:cNvPr>
-          <p:cNvSpPr>
-            <a:spLocks noGrp="1"/>
-          </p:cNvSpPr>
-          <p:nvPr>
-            <p:ph idx="1"/>
-          </p:nvPr>
-        </p:nvSpPr>
-        <p:spPr/>
-        <p:txBody>
-          <a:bodyPr/>
-          <a:lstStyle/>
-          <a:p>
-            <a:r>
-              <a:rPr lang="hr-HR" dirty="0"/>
-              <a:t>Kreiranje matrica stupaca, to možda najbolje napiši u </a:t>
-            </a:r>
-            <a:r>
-              <a:rPr lang="hr-HR" dirty="0" err="1"/>
-              <a:t>latexu</a:t>
-            </a:r>
-            <a:r>
-              <a:rPr lang="hr-HR" dirty="0"/>
-              <a:t> kad budeš rad pa samo ubaci sliku, a to se objasni sve uživo onda. Ideja mi je da prvo staviš sliku ovu kao matrice 28x28 pa onda 784x784 </a:t>
-            </a:r>
-            <a:r>
-              <a:rPr lang="hr-HR" dirty="0" err="1"/>
-              <a:t>il</a:t>
-            </a:r>
-            <a:r>
-              <a:rPr lang="hr-HR" dirty="0"/>
-              <a:t> ako smisliš šta bolje, možeš koristi </a:t>
-            </a:r>
-            <a:r>
-              <a:rPr lang="hr-HR" dirty="0" err="1"/>
-              <a:t>Di</a:t>
-            </a:r>
-            <a:r>
-              <a:rPr lang="hr-HR" dirty="0"/>
-              <a:t> ili D5(s razlogom 5 :D)</a:t>
-            </a:r>
-          </a:p>
-        </p:txBody>
-      </p:sp>
-      <p:pic>
-        <p:nvPicPr>
-          <p:cNvPr id="5" name="Slika 4">
-            <a:extLst>
-              <a:ext uri="{FF2B5EF4-FFF2-40B4-BE49-F238E27FC236}">
-                <a16:creationId xmlns:a16="http://schemas.microsoft.com/office/drawing/2014/main" id="{323FE50F-EDE3-F3A0-9AE0-F4F79825D443}"/>
+                <a16:creationId xmlns:a16="http://schemas.microsoft.com/office/drawing/2014/main" id="{98D7D34D-F0EA-2B64-0E4C-EEACC90E0492}"/>
               </a:ext>
             </a:extLst>
           </p:cNvPr>
@@ -5857,26 +5526,71 @@
           <p:nvPr/>
         </p:nvPicPr>
         <p:blipFill>
-          <a:blip r:embed="rId2"/>
-          <a:srcRect l="23291" t="35546" r="30398" b="11752"/>
+          <a:blip r:embed="rId2">
+            <a:extLst>
+              <a:ext uri="{28A0092B-C50C-407E-A947-70E740481C1C}">
+                <a14:useLocalDpi xmlns:a14="http://schemas.microsoft.com/office/drawing/2010/main" val="0"/>
+              </a:ext>
+            </a:extLst>
+          </a:blip>
           <a:stretch>
             <a:fillRect/>
           </a:stretch>
         </p:blipFill>
         <p:spPr>
           <a:xfrm>
-            <a:off x="4615542" y="3429000"/>
-            <a:ext cx="4680857" cy="1214957"/>
+            <a:off x="1844866" y="1333221"/>
+            <a:ext cx="3260743" cy="4391574"/>
           </a:xfrm>
           <a:prstGeom prst="rect">
             <a:avLst/>
           </a:prstGeom>
         </p:spPr>
       </p:pic>
+      <p:sp>
+        <p:nvSpPr>
+          <p:cNvPr id="10" name="TekstniOkvir 9">
+            <a:extLst>
+              <a:ext uri="{FF2B5EF4-FFF2-40B4-BE49-F238E27FC236}">
+                <a16:creationId xmlns:a16="http://schemas.microsoft.com/office/drawing/2014/main" id="{A98ED07E-08B4-8E95-3974-C2DB96230231}"/>
+              </a:ext>
+            </a:extLst>
+          </p:cNvPr>
+          <p:cNvSpPr txBox="1"/>
+          <p:nvPr/>
+        </p:nvSpPr>
+        <p:spPr>
+          <a:xfrm>
+            <a:off x="7056404" y="2659559"/>
+            <a:ext cx="6094140" cy="769441"/>
+          </a:xfrm>
+          <a:prstGeom prst="rect">
+            <a:avLst/>
+          </a:prstGeom>
+          <a:noFill/>
+        </p:spPr>
+        <p:txBody>
+          <a:bodyPr wrap="square">
+            <a:spAutoFit/>
+          </a:bodyPr>
+          <a:lstStyle/>
+          <a:p>
+            <a:r>
+              <a:rPr lang="hr-HR" sz="4400" dirty="0"/>
+              <a:t>Bazni </a:t>
+            </a:r>
+            <a:r>
+              <a:rPr lang="hr-HR" sz="4400" dirty="0" err="1"/>
+              <a:t>potprostori</a:t>
+            </a:r>
+            <a:endParaRPr lang="hr-HR" sz="4400" dirty="0"/>
+          </a:p>
+        </p:txBody>
+      </p:sp>
     </p:spTree>
     <p:extLst>
       <p:ext uri="{BB962C8B-B14F-4D97-AF65-F5344CB8AC3E}">
-        <p14:creationId xmlns:p14="http://schemas.microsoft.com/office/powerpoint/2010/main" val="3424508057"/>
+        <p14:creationId xmlns:p14="http://schemas.microsoft.com/office/powerpoint/2010/main" val="2960338380"/>
       </p:ext>
     </p:extLst>
   </p:cSld>
@@ -5946,7 +5660,7 @@
           <p:nvPr/>
         </p:nvPicPr>
         <p:blipFill>
-          <a:blip r:embed="rId3">
+          <a:blip r:embed="rId2">
             <a:extLst>
               <a:ext uri="{28A0092B-C50C-407E-A947-70E740481C1C}">
                 <a14:useLocalDpi xmlns:a14="http://schemas.microsoft.com/office/drawing/2010/main" val="0"/>
@@ -5978,11 +5692,6 @@
   <p:clrMapOvr>
     <a:masterClrMapping/>
   </p:clrMapOvr>
-  <p:extLst>
-    <p:ext uri="{6950BFC3-D8DA-4A85-94F7-54DA5524770B}">
-      <p188:commentRel xmlns:p188="http://schemas.microsoft.com/office/powerpoint/2018/8/main" r:id="rId2"/>
-    </p:ext>
-  </p:extLst>
 </p:sld>
 </file>
 
@@ -6479,7 +6188,7 @@
           <p:nvPr/>
         </p:nvPicPr>
         <p:blipFill>
-          <a:blip r:embed="rId3"/>
+          <a:blip r:embed="rId2"/>
           <a:stretch>
             <a:fillRect/>
           </a:stretch>
@@ -6504,11 +6213,6 @@
   <p:clrMapOvr>
     <a:overrideClrMapping bg1="dk1" tx1="lt1" bg2="dk2" tx2="lt2" accent1="accent1" accent2="accent2" accent3="accent3" accent4="accent4" accent5="accent5" accent6="accent6" hlink="hlink" folHlink="folHlink"/>
   </p:clrMapOvr>
-  <p:extLst>
-    <p:ext uri="{6950BFC3-D8DA-4A85-94F7-54DA5524770B}">
-      <p188:commentRel xmlns:p188="http://schemas.microsoft.com/office/powerpoint/2018/8/main" r:id="rId2"/>
-    </p:ext>
-  </p:extLst>
 </p:sld>
 </file>
 
@@ -7358,7 +7062,7 @@
           <p:nvPr/>
         </p:nvPicPr>
         <p:blipFill>
-          <a:blip r:embed="rId3"/>
+          <a:blip r:embed="rId2"/>
           <a:srcRect l="24982" t="17762" r="32577"/>
           <a:stretch>
             <a:fillRect/>
@@ -7389,7 +7093,7 @@
           <p:nvPr/>
         </p:nvPicPr>
         <p:blipFill>
-          <a:blip r:embed="rId4"/>
+          <a:blip r:embed="rId3"/>
           <a:stretch>
             <a:fillRect/>
           </a:stretch>
@@ -7414,11 +7118,6 @@
   <p:clrMapOvr>
     <a:overrideClrMapping bg1="dk1" tx1="lt1" bg2="dk2" tx2="lt2" accent1="accent1" accent2="accent2" accent3="accent3" accent4="accent4" accent5="accent5" accent6="accent6" hlink="hlink" folHlink="folHlink"/>
   </p:clrMapOvr>
-  <p:extLst>
-    <p:ext uri="{6950BFC3-D8DA-4A85-94F7-54DA5524770B}">
-      <p188:commentRel xmlns:p188="http://schemas.microsoft.com/office/powerpoint/2018/8/main" r:id="rId2"/>
-    </p:ext>
-  </p:extLst>
 </p:sld>
 </file>
 
@@ -7873,7 +7572,7 @@
           <p:nvPr/>
         </p:nvPicPr>
         <p:blipFill>
-          <a:blip r:embed="rId3"/>
+          <a:blip r:embed="rId2"/>
           <a:stretch>
             <a:fillRect/>
           </a:stretch>
@@ -7894,6 +7593,36 @@
             <a:extLst>
               <a:ext uri="{FF2B5EF4-FFF2-40B4-BE49-F238E27FC236}">
                 <a16:creationId xmlns:a16="http://schemas.microsoft.com/office/drawing/2014/main" id="{7FE32841-0D5F-9DF0-69E0-3C8319493E77}"/>
+              </a:ext>
+            </a:extLst>
+          </p:cNvPr>
+          <p:cNvPicPr>
+            <a:picLocks noChangeAspect="1"/>
+          </p:cNvPicPr>
+          <p:nvPr/>
+        </p:nvPicPr>
+        <p:blipFill>
+          <a:blip r:embed="rId3"/>
+          <a:stretch>
+            <a:fillRect/>
+          </a:stretch>
+        </p:blipFill>
+        <p:spPr>
+          <a:xfrm>
+            <a:off x="77263" y="2293378"/>
+            <a:ext cx="5998446" cy="338307"/>
+          </a:xfrm>
+          <a:prstGeom prst="rect">
+            <a:avLst/>
+          </a:prstGeom>
+        </p:spPr>
+      </p:pic>
+      <p:pic>
+        <p:nvPicPr>
+          <p:cNvPr id="20" name="Slika 19">
+            <a:extLst>
+              <a:ext uri="{FF2B5EF4-FFF2-40B4-BE49-F238E27FC236}">
+                <a16:creationId xmlns:a16="http://schemas.microsoft.com/office/drawing/2014/main" id="{089B2757-8EBA-280F-1111-A07B67326A32}"/>
               </a:ext>
             </a:extLst>
           </p:cNvPr>
@@ -7910,8 +7639,8 @@
         </p:blipFill>
         <p:spPr>
           <a:xfrm>
-            <a:off x="77263" y="2293378"/>
-            <a:ext cx="5998446" cy="338307"/>
+            <a:off x="6269700" y="2918579"/>
+            <a:ext cx="5867249" cy="3316271"/>
           </a:xfrm>
           <a:prstGeom prst="rect">
             <a:avLst/>
@@ -7920,10 +7649,10 @@
       </p:pic>
       <p:pic>
         <p:nvPicPr>
-          <p:cNvPr id="20" name="Slika 19">
+          <p:cNvPr id="24" name="Slika 23">
             <a:extLst>
               <a:ext uri="{FF2B5EF4-FFF2-40B4-BE49-F238E27FC236}">
-                <a16:creationId xmlns:a16="http://schemas.microsoft.com/office/drawing/2014/main" id="{089B2757-8EBA-280F-1111-A07B67326A32}"/>
+                <a16:creationId xmlns:a16="http://schemas.microsoft.com/office/drawing/2014/main" id="{B446D920-D607-7E8E-D020-2439E96F8EF5}"/>
               </a:ext>
             </a:extLst>
           </p:cNvPr>
@@ -7940,36 +7669,6 @@
         </p:blipFill>
         <p:spPr>
           <a:xfrm>
-            <a:off x="6269700" y="2918579"/>
-            <a:ext cx="5867249" cy="3316271"/>
-          </a:xfrm>
-          <a:prstGeom prst="rect">
-            <a:avLst/>
-          </a:prstGeom>
-        </p:spPr>
-      </p:pic>
-      <p:pic>
-        <p:nvPicPr>
-          <p:cNvPr id="24" name="Slika 23">
-            <a:extLst>
-              <a:ext uri="{FF2B5EF4-FFF2-40B4-BE49-F238E27FC236}">
-                <a16:creationId xmlns:a16="http://schemas.microsoft.com/office/drawing/2014/main" id="{B446D920-D607-7E8E-D020-2439E96F8EF5}"/>
-              </a:ext>
-            </a:extLst>
-          </p:cNvPr>
-          <p:cNvPicPr>
-            <a:picLocks noChangeAspect="1"/>
-          </p:cNvPicPr>
-          <p:nvPr/>
-        </p:nvPicPr>
-        <p:blipFill>
-          <a:blip r:embed="rId6"/>
-          <a:stretch>
-            <a:fillRect/>
-          </a:stretch>
-        </p:blipFill>
-        <p:spPr>
-          <a:xfrm>
             <a:off x="6269701" y="2285695"/>
             <a:ext cx="5867248" cy="340223"/>
           </a:xfrm>
@@ -7988,11 +7687,6 @@
   <p:clrMapOvr>
     <a:masterClrMapping/>
   </p:clrMapOvr>
-  <p:extLst>
-    <p:ext uri="{6950BFC3-D8DA-4A85-94F7-54DA5524770B}">
-      <p188:commentRel xmlns:p188="http://schemas.microsoft.com/office/powerpoint/2018/8/main" r:id="rId2"/>
-    </p:ext>
-  </p:extLst>
 </p:sld>
 </file>
 

--- a/Klasifikator znameki.pptx
+++ b/Klasifikator znameki.pptx
@@ -300,7 +300,7 @@
           <a:p>
             <a:fld id="{3D60341B-96CE-479C-8E05-0D4B76A2A9EA}" type="datetimeFigureOut">
               <a:rPr lang="hr-HR" smtClean="0"/>
-              <a:t>9.9.2025.</a:t>
+              <a:t>16.9.2025.</a:t>
             </a:fld>
             <a:endParaRPr lang="hr-HR"/>
           </a:p>
@@ -630,7 +630,7 @@
           <a:p>
             <a:fld id="{3D60341B-96CE-479C-8E05-0D4B76A2A9EA}" type="datetimeFigureOut">
               <a:rPr lang="hr-HR" smtClean="0"/>
-              <a:t>9.9.2025.</a:t>
+              <a:t>16.9.2025.</a:t>
             </a:fld>
             <a:endParaRPr lang="hr-HR"/>
           </a:p>
@@ -810,7 +810,7 @@
           <a:p>
             <a:fld id="{3D60341B-96CE-479C-8E05-0D4B76A2A9EA}" type="datetimeFigureOut">
               <a:rPr lang="hr-HR" smtClean="0"/>
-              <a:t>9.9.2025.</a:t>
+              <a:t>16.9.2025.</a:t>
             </a:fld>
             <a:endParaRPr lang="hr-HR"/>
           </a:p>
@@ -980,7 +980,7 @@
           <a:p>
             <a:fld id="{3D60341B-96CE-479C-8E05-0D4B76A2A9EA}" type="datetimeFigureOut">
               <a:rPr lang="hr-HR" smtClean="0"/>
-              <a:t>9.9.2025.</a:t>
+              <a:t>16.9.2025.</a:t>
             </a:fld>
             <a:endParaRPr lang="hr-HR"/>
           </a:p>
@@ -1257,7 +1257,7 @@
           <a:p>
             <a:fld id="{3D60341B-96CE-479C-8E05-0D4B76A2A9EA}" type="datetimeFigureOut">
               <a:rPr lang="hr-HR" smtClean="0"/>
-              <a:t>9.9.2025.</a:t>
+              <a:t>16.9.2025.</a:t>
             </a:fld>
             <a:endParaRPr lang="hr-HR"/>
           </a:p>
@@ -1651,7 +1651,7 @@
           <a:p>
             <a:fld id="{3D60341B-96CE-479C-8E05-0D4B76A2A9EA}" type="datetimeFigureOut">
               <a:rPr lang="hr-HR" smtClean="0"/>
-              <a:t>9.9.2025.</a:t>
+              <a:t>16.9.2025.</a:t>
             </a:fld>
             <a:endParaRPr lang="hr-HR"/>
           </a:p>
@@ -2128,7 +2128,7 @@
           <a:p>
             <a:fld id="{3D60341B-96CE-479C-8E05-0D4B76A2A9EA}" type="datetimeFigureOut">
               <a:rPr lang="hr-HR" smtClean="0"/>
-              <a:t>9.9.2025.</a:t>
+              <a:t>16.9.2025.</a:t>
             </a:fld>
             <a:endParaRPr lang="hr-HR"/>
           </a:p>
@@ -2246,7 +2246,7 @@
           <a:p>
             <a:fld id="{3D60341B-96CE-479C-8E05-0D4B76A2A9EA}" type="datetimeFigureOut">
               <a:rPr lang="hr-HR" smtClean="0"/>
-              <a:t>9.9.2025.</a:t>
+              <a:t>16.9.2025.</a:t>
             </a:fld>
             <a:endParaRPr lang="hr-HR"/>
           </a:p>
@@ -2341,7 +2341,7 @@
           <a:p>
             <a:fld id="{3D60341B-96CE-479C-8E05-0D4B76A2A9EA}" type="datetimeFigureOut">
               <a:rPr lang="hr-HR" smtClean="0"/>
-              <a:t>9.9.2025.</a:t>
+              <a:t>16.9.2025.</a:t>
             </a:fld>
             <a:endParaRPr lang="hr-HR"/>
           </a:p>
@@ -2687,7 +2687,7 @@
           <a:p>
             <a:fld id="{3D60341B-96CE-479C-8E05-0D4B76A2A9EA}" type="datetimeFigureOut">
               <a:rPr lang="hr-HR" smtClean="0"/>
-              <a:t>9.9.2025.</a:t>
+              <a:t>16.9.2025.</a:t>
             </a:fld>
             <a:endParaRPr lang="hr-HR"/>
           </a:p>
@@ -3075,7 +3075,7 @@
           <a:p>
             <a:fld id="{3D60341B-96CE-479C-8E05-0D4B76A2A9EA}" type="datetimeFigureOut">
               <a:rPr lang="hr-HR" smtClean="0"/>
-              <a:t>9.9.2025.</a:t>
+              <a:t>16.9.2025.</a:t>
             </a:fld>
             <a:endParaRPr lang="hr-HR"/>
           </a:p>
@@ -3353,7 +3353,7 @@
           <a:p>
             <a:fld id="{3D60341B-96CE-479C-8E05-0D4B76A2A9EA}" type="datetimeFigureOut">
               <a:rPr lang="hr-HR" smtClean="0"/>
-              <a:t>9.9.2025.</a:t>
+              <a:t>16.9.2025.</a:t>
             </a:fld>
             <a:endParaRPr lang="hr-HR"/>
           </a:p>
@@ -5647,10 +5647,10 @@
       </p:sp>
       <p:pic>
         <p:nvPicPr>
-          <p:cNvPr id="7" name="Slika 6" descr="Slika na kojoj se prikazuje tekst, snimka zaslona, logotip, Font&#10;&#10;Sadržaj generiran uz AI možda nije točan.">
+          <p:cNvPr id="4" name="Slika 3" descr="Slika na kojoj se prikazuje tekst, snimka zaslona, Font, broj&#10;&#10;Sadržaj generiran uz AI možda nije točan.">
             <a:extLst>
               <a:ext uri="{FF2B5EF4-FFF2-40B4-BE49-F238E27FC236}">
-                <a16:creationId xmlns:a16="http://schemas.microsoft.com/office/drawing/2014/main" id="{81F6CE41-CE30-89B9-4130-2827F11AFD20}"/>
+                <a16:creationId xmlns:a16="http://schemas.microsoft.com/office/drawing/2014/main" id="{BA65A7F5-C729-F453-4401-8BE2C0A85B51}"/>
               </a:ext>
             </a:extLst>
           </p:cNvPr>
@@ -5667,15 +5667,15 @@
               </a:ext>
             </a:extLst>
           </a:blip>
-          <a:srcRect t="37814" r="115" b="32515"/>
+          <a:srcRect t="17373"/>
           <a:stretch>
             <a:fillRect/>
           </a:stretch>
         </p:blipFill>
         <p:spPr>
           <a:xfrm>
-            <a:off x="2457643" y="1773045"/>
-            <a:ext cx="7979899" cy="4214094"/>
+            <a:off x="2982712" y="1970314"/>
+            <a:ext cx="7151888" cy="3864429"/>
           </a:xfrm>
           <a:prstGeom prst="rect">
             <a:avLst/>
